--- a/Prezentacija/K-Means.pptx
+++ b/Prezentacija/K-Means.pptx
@@ -17,7 +17,10 @@
     <p:sldId id="267" r:id="rId11"/>
     <p:sldId id="268" r:id="rId12"/>
     <p:sldId id="269" r:id="rId13"/>
-    <p:sldId id="264" r:id="rId14"/>
+    <p:sldId id="270" r:id="rId14"/>
+    <p:sldId id="271" r:id="rId15"/>
+    <p:sldId id="272" r:id="rId16"/>
+    <p:sldId id="264" r:id="rId17"/>
   </p:sldIdLst>
   <p:sldSz cx="9144000" cy="6858000" type="screen4x3"/>
   <p:notesSz cx="6858000" cy="9144000"/>
@@ -301,7 +304,7 @@
             <a:fld id="{7494B276-312C-4991-B9EC-94B6CC464FD0}" type="datetimeFigureOut">
               <a:rPr lang="en-US" smtClean="0"/>
               <a:pPr/>
-              <a:t>27-Sep-16</a:t>
+              <a:t>29-Sep-16</a:t>
             </a:fld>
             <a:endParaRPr lang="en-US"/>
           </a:p>
@@ -468,7 +471,7 @@
             <a:fld id="{7494B276-312C-4991-B9EC-94B6CC464FD0}" type="datetimeFigureOut">
               <a:rPr lang="en-US" smtClean="0"/>
               <a:pPr/>
-              <a:t>27-Sep-16</a:t>
+              <a:t>29-Sep-16</a:t>
             </a:fld>
             <a:endParaRPr lang="en-US"/>
           </a:p>
@@ -645,7 +648,7 @@
             <a:fld id="{7494B276-312C-4991-B9EC-94B6CC464FD0}" type="datetimeFigureOut">
               <a:rPr lang="en-US" smtClean="0"/>
               <a:pPr/>
-              <a:t>27-Sep-16</a:t>
+              <a:t>29-Sep-16</a:t>
             </a:fld>
             <a:endParaRPr lang="en-US"/>
           </a:p>
@@ -812,7 +815,7 @@
             <a:fld id="{7494B276-312C-4991-B9EC-94B6CC464FD0}" type="datetimeFigureOut">
               <a:rPr lang="en-US" smtClean="0"/>
               <a:pPr/>
-              <a:t>27-Sep-16</a:t>
+              <a:t>29-Sep-16</a:t>
             </a:fld>
             <a:endParaRPr lang="en-US"/>
           </a:p>
@@ -1055,7 +1058,7 @@
             <a:fld id="{7494B276-312C-4991-B9EC-94B6CC464FD0}" type="datetimeFigureOut">
               <a:rPr lang="en-US" smtClean="0"/>
               <a:pPr/>
-              <a:t>27-Sep-16</a:t>
+              <a:t>29-Sep-16</a:t>
             </a:fld>
             <a:endParaRPr lang="en-US"/>
           </a:p>
@@ -1340,7 +1343,7 @@
             <a:fld id="{7494B276-312C-4991-B9EC-94B6CC464FD0}" type="datetimeFigureOut">
               <a:rPr lang="en-US" smtClean="0"/>
               <a:pPr/>
-              <a:t>27-Sep-16</a:t>
+              <a:t>29-Sep-16</a:t>
             </a:fld>
             <a:endParaRPr lang="en-US"/>
           </a:p>
@@ -1759,7 +1762,7 @@
             <a:fld id="{7494B276-312C-4991-B9EC-94B6CC464FD0}" type="datetimeFigureOut">
               <a:rPr lang="en-US" smtClean="0"/>
               <a:pPr/>
-              <a:t>27-Sep-16</a:t>
+              <a:t>29-Sep-16</a:t>
             </a:fld>
             <a:endParaRPr lang="en-US"/>
           </a:p>
@@ -1874,7 +1877,7 @@
             <a:fld id="{7494B276-312C-4991-B9EC-94B6CC464FD0}" type="datetimeFigureOut">
               <a:rPr lang="en-US" smtClean="0"/>
               <a:pPr/>
-              <a:t>27-Sep-16</a:t>
+              <a:t>29-Sep-16</a:t>
             </a:fld>
             <a:endParaRPr lang="en-US"/>
           </a:p>
@@ -1966,7 +1969,7 @@
             <a:fld id="{7494B276-312C-4991-B9EC-94B6CC464FD0}" type="datetimeFigureOut">
               <a:rPr lang="en-US" smtClean="0"/>
               <a:pPr/>
-              <a:t>27-Sep-16</a:t>
+              <a:t>29-Sep-16</a:t>
             </a:fld>
             <a:endParaRPr lang="en-US"/>
           </a:p>
@@ -2240,7 +2243,7 @@
             <a:fld id="{7494B276-312C-4991-B9EC-94B6CC464FD0}" type="datetimeFigureOut">
               <a:rPr lang="en-US" smtClean="0"/>
               <a:pPr/>
-              <a:t>27-Sep-16</a:t>
+              <a:t>29-Sep-16</a:t>
             </a:fld>
             <a:endParaRPr lang="en-US"/>
           </a:p>
@@ -2490,7 +2493,7 @@
             <a:fld id="{7494B276-312C-4991-B9EC-94B6CC464FD0}" type="datetimeFigureOut">
               <a:rPr lang="en-US" smtClean="0"/>
               <a:pPr/>
-              <a:t>27-Sep-16</a:t>
+              <a:t>29-Sep-16</a:t>
             </a:fld>
             <a:endParaRPr lang="en-US"/>
           </a:p>
@@ -2709,7 +2712,7 @@
             <a:fld id="{7494B276-312C-4991-B9EC-94B6CC464FD0}" type="datetimeFigureOut">
               <a:rPr lang="en-US" smtClean="0"/>
               <a:pPr/>
-              <a:t>27-Sep-16</a:t>
+              <a:t>29-Sep-16</a:t>
             </a:fld>
             <a:endParaRPr lang="en-US"/>
           </a:p>
@@ -3088,8 +3091,8 @@
         </p:nvSpPr>
         <p:spPr>
           <a:xfrm rot="21235676">
-            <a:off x="1325321" y="2093676"/>
-            <a:ext cx="6103017" cy="923330"/>
+            <a:off x="882742" y="2467964"/>
+            <a:ext cx="7290281" cy="1092607"/>
           </a:xfrm>
           <a:prstGeom prst="rect">
             <a:avLst/>
@@ -3119,14 +3122,14 @@
           </a:sp3d>
         </p:spPr>
         <p:txBody>
-          <a:bodyPr wrap="none" lIns="91440" tIns="45720" rIns="91440" bIns="45720">
+          <a:bodyPr wrap="square" lIns="91440" tIns="45720" rIns="91440" bIns="45720">
             <a:spAutoFit/>
           </a:bodyPr>
           <a:lstStyle/>
           <a:p>
             <a:pPr algn="ctr"/>
             <a:r>
-              <a:rPr lang="en-US" sz="5400" b="1" cap="none" spc="0" dirty="0" err="1" smtClean="0">
+              <a:rPr lang="en-US" sz="6500" b="1" cap="none" spc="0" dirty="0" err="1" smtClean="0">
                 <a:ln w="17780" cmpd="sng">
                   <a:solidFill>
                     <a:srgbClr val="FFFFFF"/>
@@ -3181,7 +3184,7 @@
               <a:t>Grupiranje</a:t>
             </a:r>
             <a:r>
-              <a:rPr lang="en-US" sz="5400" b="1" cap="none" spc="0" dirty="0" smtClean="0">
+              <a:rPr lang="en-US" sz="6500" b="1" cap="none" spc="0" dirty="0" smtClean="0">
                 <a:ln w="17780" cmpd="sng">
                   <a:solidFill>
                     <a:srgbClr val="FFFFFF"/>
@@ -3236,7 +3239,7 @@
               <a:t> </a:t>
             </a:r>
             <a:r>
-              <a:rPr lang="en-US" sz="5400" b="1" cap="none" spc="0" dirty="0" err="1" smtClean="0">
+              <a:rPr lang="en-US" sz="6500" b="1" cap="none" spc="0" dirty="0" err="1" smtClean="0">
                 <a:ln w="17780" cmpd="sng">
                   <a:solidFill>
                     <a:srgbClr val="FFFFFF"/>
@@ -3290,7 +3293,7 @@
               </a:rPr>
               <a:t>podataka</a:t>
             </a:r>
-            <a:endParaRPr lang="en-US" sz="5400" b="1" cap="none" spc="0" dirty="0">
+            <a:endParaRPr lang="en-US" sz="6500" b="1" cap="none" spc="0" dirty="0">
               <a:ln w="17780" cmpd="sng">
                 <a:solidFill>
                   <a:srgbClr val="FFFFFF"/>
@@ -3345,6 +3348,44 @@
           </a:p>
         </p:txBody>
       </p:sp>
+      <p:sp>
+        <p:nvSpPr>
+          <p:cNvPr id="3" name="TextBox 2"/>
+          <p:cNvSpPr txBox="1"/>
+          <p:nvPr/>
+        </p:nvSpPr>
+        <p:spPr>
+          <a:xfrm>
+            <a:off x="6248400" y="5867400"/>
+            <a:ext cx="2590800" cy="461665"/>
+          </a:xfrm>
+          <a:prstGeom prst="rect">
+            <a:avLst/>
+          </a:prstGeom>
+          <a:noFill/>
+        </p:spPr>
+        <p:txBody>
+          <a:bodyPr wrap="square" rtlCol="0">
+            <a:spAutoFit/>
+          </a:bodyPr>
+          <a:lstStyle/>
+          <a:p>
+            <a:r>
+              <a:rPr lang="en-US" sz="2400" b="1" i="1" dirty="0" err="1" smtClean="0"/>
+              <a:t>Andrija</a:t>
+            </a:r>
+            <a:r>
+              <a:rPr lang="en-US" sz="2400" b="1" i="1" dirty="0" smtClean="0"/>
+              <a:t> </a:t>
+            </a:r>
+            <a:r>
+              <a:rPr lang="en-US" sz="2400" b="1" i="1" dirty="0" err="1" smtClean="0"/>
+              <a:t>Dumančić</a:t>
+            </a:r>
+            <a:endParaRPr lang="en-US" sz="2400" b="1" i="1" dirty="0"/>
+          </a:p>
+        </p:txBody>
+      </p:sp>
     </p:spTree>
   </p:cSld>
   <p:clrMapOvr>
@@ -3448,11 +3489,7 @@
             </a:r>
             <a:r>
               <a:rPr lang="hr-HR" sz="4300" b="0" dirty="0" smtClean="0"/>
-              <a:t>Određivanje </a:t>
-            </a:r>
-            <a:r>
-              <a:rPr lang="hr-HR" sz="4300" b="0" dirty="0" smtClean="0"/>
-              <a:t>gustoće K-means klastera</a:t>
+              <a:t>Određivanje gustoće K-means klastera</a:t>
             </a:r>
             <a:endParaRPr lang="en-US" sz="4300" b="0" dirty="0" smtClean="0"/>
           </a:p>
@@ -3484,15 +3521,7 @@
             </a:pPr>
             <a:r>
               <a:rPr lang="hr-HR" sz="2000" i="1" dirty="0" smtClean="0"/>
-              <a:t>Rješenje </a:t>
-            </a:r>
-            <a:r>
-              <a:rPr lang="hr-HR" sz="2000" i="1" dirty="0" smtClean="0"/>
-              <a:t>sa parametrima data 1 (50), data2 (300), data 3(500</a:t>
-            </a:r>
-            <a:r>
-              <a:rPr lang="hr-HR" sz="2000" i="1" dirty="0" smtClean="0"/>
-              <a:t>)</a:t>
+              <a:t>Rješenje sa parametrima data 1 (50), data2 (300), data 3(500)</a:t>
             </a:r>
             <a:endParaRPr lang="en-US" sz="2000" i="1" dirty="0" smtClean="0"/>
           </a:p>
@@ -3706,11 +3735,7 @@
             <a:pPr lvl="0"/>
             <a:r>
               <a:rPr lang="hr-HR" dirty="0" smtClean="0"/>
-              <a:t>Rješenje nije uvijek </a:t>
-            </a:r>
-            <a:r>
-              <a:rPr lang="hr-HR" dirty="0" smtClean="0"/>
-              <a:t>isto</a:t>
+              <a:t>Rješenje nije uvijek isto</a:t>
             </a:r>
             <a:r>
               <a:rPr lang="en-US" dirty="0" smtClean="0"/>
@@ -3748,7 +3773,6 @@
               <a:rPr lang="en-US" dirty="0" smtClean="0"/>
               <a:t> </a:t>
             </a:r>
-            <a:endParaRPr lang="en-US" dirty="0" smtClean="0"/>
           </a:p>
           <a:p>
             <a:endParaRPr lang="en-US" dirty="0"/>
@@ -3903,222 +3927,229 @@
           <a:p>
             <a:r>
               <a:rPr lang="en-US" b="1" i="1" dirty="0" err="1" smtClean="0"/>
-              <a:t>Literatura</a:t>
+              <a:t>Primjer</a:t>
+            </a:r>
+            <a:r>
+              <a:rPr lang="en-US" b="1" i="1" dirty="0" smtClean="0"/>
+              <a:t> K-means </a:t>
+            </a:r>
+            <a:r>
+              <a:rPr lang="en-US" b="1" i="1" dirty="0" err="1" smtClean="0"/>
+              <a:t>algoritma</a:t>
             </a:r>
             <a:endParaRPr lang="en-US" b="1" i="1" dirty="0"/>
           </a:p>
         </p:txBody>
       </p:sp>
-      <p:sp>
-        <p:nvSpPr>
-          <p:cNvPr id="3" name="Content Placeholder 2"/>
-          <p:cNvSpPr>
-            <a:spLocks noGrp="1"/>
-          </p:cNvSpPr>
-          <p:nvPr>
-            <p:ph idx="1"/>
+      <p:pic>
+        <p:nvPicPr>
+          <p:cNvPr id="1026" name="Picture 2"/>
+          <p:cNvPicPr>
+            <a:picLocks noGrp="1" noChangeAspect="1" noChangeArrowheads="1"/>
+          </p:cNvPicPr>
+          <p:nvPr>
+            <p:ph sz="half" idx="1"/>
+          </p:nvPr>
+        </p:nvPicPr>
+        <p:blipFill>
+          <a:blip r:embed="rId2"/>
+          <a:stretch>
+            <a:fillRect/>
+          </a:stretch>
+        </p:blipFill>
+        <p:spPr bwMode="auto">
+          <a:xfrm>
+            <a:off x="457200" y="1600200"/>
+            <a:ext cx="4038600" cy="4572000"/>
+          </a:xfrm>
+          <a:prstGeom prst="rect">
+            <a:avLst/>
+          </a:prstGeom>
+          <a:noFill/>
+          <a:ln w="9525">
+            <a:noFill/>
+            <a:miter lim="800000"/>
+            <a:headEnd/>
+            <a:tailEnd/>
+          </a:ln>
+          <a:effectLst>
+            <a:innerShdw blurRad="114300">
+              <a:prstClr val="black"/>
+            </a:innerShdw>
+          </a:effectLst>
+        </p:spPr>
+      </p:pic>
+      <p:sp>
+        <p:nvSpPr>
+          <p:cNvPr id="6" name="Content Placeholder 5"/>
+          <p:cNvSpPr>
+            <a:spLocks noGrp="1"/>
+          </p:cNvSpPr>
+          <p:nvPr>
+            <p:ph sz="half" idx="2"/>
           </p:nvPr>
         </p:nvSpPr>
         <p:spPr/>
         <p:txBody>
-          <a:bodyPr>
-            <a:normAutofit fontScale="62500" lnSpcReduction="20000"/>
-          </a:bodyPr>
-          <a:lstStyle/>
-          <a:p>
-            <a:r>
-              <a:rPr lang="en-US" u="sng" dirty="0" smtClean="0"/>
-              <a:t>[1]   </a:t>
-            </a:r>
-            <a:r>
-              <a:rPr lang="hr-HR" u="sng" dirty="0" smtClean="0">
-                <a:hlinkClick r:id="rId2"/>
-              </a:rPr>
-              <a:t>http://scikit-learn.org/stable/modules/</a:t>
-            </a:r>
-            <a:endParaRPr lang="en-US" dirty="0" smtClean="0"/>
-          </a:p>
-          <a:p>
-            <a:r>
-              <a:rPr lang="en-US" dirty="0" smtClean="0"/>
-              <a:t>[</a:t>
-            </a:r>
-            <a:r>
-              <a:rPr lang="en-US" dirty="0" smtClean="0"/>
-              <a:t>2]   </a:t>
-            </a:r>
-            <a:r>
-              <a:rPr lang="hr-HR" u="sng" dirty="0" smtClean="0">
-                <a:hlinkClick r:id="rId3"/>
-              </a:rPr>
-              <a:t>http://scikit-learn.org/stable/modules/clustering.html#k-means</a:t>
-            </a:r>
-            <a:endParaRPr lang="en-US" dirty="0" smtClean="0"/>
-          </a:p>
-          <a:p>
-            <a:r>
-              <a:rPr lang="en-US" dirty="0" smtClean="0"/>
-              <a:t>[</a:t>
-            </a:r>
-            <a:r>
-              <a:rPr lang="en-US" dirty="0" smtClean="0"/>
-              <a:t>3]   </a:t>
-            </a:r>
-            <a:r>
-              <a:rPr lang="hr-HR" u="sng" dirty="0" smtClean="0">
-                <a:hlinkClick r:id="rId3"/>
-              </a:rPr>
-              <a:t>http://scikit-learn.org/stable/modules/clustering.html#affinity-propagation</a:t>
-            </a:r>
-            <a:endParaRPr lang="en-US" dirty="0" smtClean="0"/>
-          </a:p>
-          <a:p>
-            <a:r>
-              <a:rPr lang="en-US" dirty="0" smtClean="0"/>
-              <a:t>[</a:t>
-            </a:r>
-            <a:r>
-              <a:rPr lang="en-US" dirty="0" smtClean="0"/>
-              <a:t>4]   </a:t>
-            </a:r>
-            <a:r>
-              <a:rPr lang="hr-HR" u="sng" dirty="0" smtClean="0">
-                <a:hlinkClick r:id="rId3"/>
-              </a:rPr>
-              <a:t>http://scikit-learn.org/stable/modules/clustering.html#mean-shift</a:t>
-            </a:r>
-            <a:endParaRPr lang="en-US" dirty="0" smtClean="0"/>
-          </a:p>
-          <a:p>
-            <a:r>
-              <a:rPr lang="en-US" dirty="0" smtClean="0"/>
-              <a:t>[5]   </a:t>
-            </a:r>
-            <a:r>
-              <a:rPr lang="hr-HR" u="sng" dirty="0" smtClean="0">
-                <a:hlinkClick r:id="rId3"/>
-              </a:rPr>
-              <a:t>http://scikit-learn.org/stable/modules/clustering.html#spectral-clustering</a:t>
-            </a:r>
-            <a:endParaRPr lang="en-US" dirty="0" smtClean="0"/>
-          </a:p>
-          <a:p>
-            <a:r>
-              <a:rPr lang="en-US" dirty="0" smtClean="0"/>
-              <a:t>[</a:t>
-            </a:r>
-            <a:r>
-              <a:rPr lang="en-US" dirty="0" smtClean="0"/>
-              <a:t>6]   </a:t>
-            </a:r>
-            <a:r>
-              <a:rPr lang="hr-HR" u="sng" dirty="0" smtClean="0">
-                <a:hlinkClick r:id="rId3"/>
-              </a:rPr>
-              <a:t>http://scikit-learn.org/stable/modules/clustering.html#hierarchical-clustering</a:t>
-            </a:r>
-            <a:endParaRPr lang="en-US" dirty="0" smtClean="0"/>
-          </a:p>
-          <a:p>
-            <a:r>
-              <a:rPr lang="en-US" dirty="0" smtClean="0"/>
-              <a:t>[</a:t>
-            </a:r>
-            <a:r>
-              <a:rPr lang="en-US" dirty="0" smtClean="0"/>
-              <a:t>7]   </a:t>
-            </a:r>
-            <a:r>
-              <a:rPr lang="hr-HR" u="sng" dirty="0" smtClean="0">
-                <a:hlinkClick r:id="rId3"/>
-              </a:rPr>
-              <a:t>http://scikit-learn.org/stable/modules/clustering.html#dbscan</a:t>
-            </a:r>
-            <a:endParaRPr lang="en-US" dirty="0" smtClean="0"/>
-          </a:p>
-          <a:p>
-            <a:r>
-              <a:rPr lang="en-US" dirty="0" smtClean="0"/>
-              <a:t>[</a:t>
-            </a:r>
-            <a:r>
-              <a:rPr lang="en-US" dirty="0" smtClean="0"/>
-              <a:t>8]   </a:t>
-            </a:r>
-            <a:r>
-              <a:rPr lang="hr-HR" u="sng" dirty="0" smtClean="0">
-                <a:hlinkClick r:id="rId3"/>
-              </a:rPr>
-              <a:t>http://scikit-learn.org/stable/modules/clustering.html#birch</a:t>
-            </a:r>
-            <a:endParaRPr lang="en-US" dirty="0" smtClean="0"/>
-          </a:p>
-          <a:p>
-            <a:r>
-              <a:rPr lang="en-US" dirty="0" smtClean="0"/>
-              <a:t>[</a:t>
-            </a:r>
-            <a:r>
-              <a:rPr lang="en-US" dirty="0" smtClean="0"/>
-              <a:t>9]   </a:t>
-            </a:r>
-            <a:r>
-              <a:rPr lang="hr-HR" u="sng" dirty="0" smtClean="0">
-                <a:hlinkClick r:id="rId4"/>
-              </a:rPr>
-              <a:t>https://en.wikipedia.org/wiki/K-means_clustering</a:t>
-            </a:r>
-            <a:endParaRPr lang="en-US" dirty="0" smtClean="0"/>
-          </a:p>
-          <a:p>
-            <a:r>
-              <a:rPr lang="en-US" dirty="0" smtClean="0"/>
-              <a:t>[</a:t>
-            </a:r>
-            <a:r>
-              <a:rPr lang="en-US" dirty="0" smtClean="0"/>
-              <a:t>10] </a:t>
-            </a:r>
-            <a:r>
-              <a:rPr lang="hr-HR" u="sng" dirty="0" smtClean="0">
-                <a:hlinkClick r:id="rId5"/>
-              </a:rPr>
-              <a:t>https://en.wikipedia.org/wiki/Affinity_propagation</a:t>
-            </a:r>
-            <a:endParaRPr lang="en-US" dirty="0" smtClean="0"/>
-          </a:p>
-          <a:p>
-            <a:r>
-              <a:rPr lang="hr-HR" dirty="0" smtClean="0"/>
-              <a:t>[1</a:t>
-            </a:r>
-            <a:r>
-              <a:rPr lang="en-US" dirty="0" smtClean="0"/>
-              <a:t>1</a:t>
-            </a:r>
-            <a:r>
-              <a:rPr lang="hr-HR" dirty="0" smtClean="0"/>
-              <a:t>] </a:t>
-            </a:r>
-            <a:r>
-              <a:rPr lang="hr-HR" u="sng" dirty="0" smtClean="0">
-                <a:hlinkClick r:id="rId6"/>
-              </a:rPr>
-              <a:t>http://mnemstudio.org/clustering-k-means-example-1.htm</a:t>
-            </a:r>
-            <a:endParaRPr lang="en-US" dirty="0" smtClean="0"/>
-          </a:p>
-          <a:p>
-            <a:pPr>
-              <a:buNone/>
-            </a:pPr>
-            <a:r>
-              <a:rPr lang="hr-HR" dirty="0" smtClean="0"/>
-              <a:t>	</a:t>
-            </a:r>
-            <a:endParaRPr lang="en-US" dirty="0" smtClean="0"/>
-          </a:p>
-          <a:p>
+          <a:bodyPr/>
+          <a:lstStyle/>
+          <a:p>
+            <a:r>
+              <a:rPr lang="en-US" dirty="0" smtClean="0"/>
+              <a:t>U </a:t>
+            </a:r>
+            <a:r>
+              <a:rPr lang="en-US" dirty="0" err="1" smtClean="0"/>
+              <a:t>prvom</a:t>
+            </a:r>
+            <a:r>
+              <a:rPr lang="en-US" dirty="0" smtClean="0"/>
+              <a:t> </a:t>
+            </a:r>
+            <a:r>
+              <a:rPr lang="en-US" dirty="0" err="1" smtClean="0"/>
+              <a:t>dijelu</a:t>
+            </a:r>
+            <a:r>
+              <a:rPr lang="en-US" dirty="0" smtClean="0"/>
+              <a:t> </a:t>
+            </a:r>
+            <a:r>
+              <a:rPr lang="en-US" dirty="0" err="1" smtClean="0"/>
+              <a:t>koda</a:t>
+            </a:r>
+            <a:r>
+              <a:rPr lang="en-US" dirty="0" smtClean="0"/>
+              <a:t> je </a:t>
+            </a:r>
+            <a:r>
+              <a:rPr lang="en-US" dirty="0" err="1" smtClean="0"/>
+              <a:t>prikazano</a:t>
+            </a:r>
+            <a:r>
+              <a:rPr lang="en-US" dirty="0" smtClean="0"/>
+              <a:t> </a:t>
+            </a:r>
+            <a:r>
+              <a:rPr lang="en-US" dirty="0" err="1" smtClean="0"/>
+              <a:t>određivanje</a:t>
+            </a:r>
+            <a:r>
+              <a:rPr lang="en-US" dirty="0" smtClean="0"/>
+              <a:t> </a:t>
+            </a:r>
+            <a:r>
+              <a:rPr lang="en-US" dirty="0" err="1" smtClean="0"/>
+              <a:t>položaja</a:t>
+            </a:r>
+            <a:r>
+              <a:rPr lang="en-US" dirty="0" smtClean="0"/>
+              <a:t> </a:t>
+            </a:r>
+            <a:r>
+              <a:rPr lang="en-US" dirty="0" err="1" smtClean="0"/>
+              <a:t>klastera</a:t>
+            </a:r>
+            <a:r>
+              <a:rPr lang="en-US" dirty="0" smtClean="0"/>
+              <a:t> </a:t>
+            </a:r>
+            <a:r>
+              <a:rPr lang="en-US" dirty="0" err="1" smtClean="0"/>
+              <a:t>te</a:t>
+            </a:r>
+            <a:r>
+              <a:rPr lang="en-US" dirty="0" smtClean="0"/>
+              <a:t> </a:t>
+            </a:r>
+            <a:r>
+              <a:rPr lang="en-US" dirty="0" err="1" smtClean="0"/>
+              <a:t>njegova</a:t>
+            </a:r>
+            <a:r>
+              <a:rPr lang="en-US" dirty="0" smtClean="0"/>
+              <a:t> </a:t>
+            </a:r>
+            <a:r>
+              <a:rPr lang="en-US" dirty="0" err="1" smtClean="0"/>
+              <a:t>gustoća</a:t>
+            </a:r>
+            <a:r>
+              <a:rPr lang="en-US" dirty="0" smtClean="0"/>
+              <a:t>. </a:t>
+            </a:r>
+            <a:r>
+              <a:rPr lang="en-US" dirty="0" err="1" smtClean="0"/>
+              <a:t>Također</a:t>
+            </a:r>
+            <a:r>
+              <a:rPr lang="en-US" dirty="0" smtClean="0"/>
+              <a:t> </a:t>
+            </a:r>
+            <a:r>
+              <a:rPr lang="en-US" dirty="0" err="1" smtClean="0"/>
+              <a:t>broj</a:t>
+            </a:r>
+            <a:r>
+              <a:rPr lang="en-US" dirty="0" smtClean="0"/>
+              <a:t> </a:t>
+            </a:r>
+            <a:r>
+              <a:rPr lang="en-US" dirty="0" err="1" smtClean="0"/>
+              <a:t>klastera</a:t>
+            </a:r>
+            <a:r>
+              <a:rPr lang="en-US" dirty="0" smtClean="0"/>
+              <a:t> je </a:t>
+            </a:r>
+            <a:r>
+              <a:rPr lang="en-US" dirty="0" err="1" smtClean="0"/>
+              <a:t>postavljen</a:t>
+            </a:r>
+            <a:r>
+              <a:rPr lang="en-US" dirty="0" smtClean="0"/>
+              <a:t> </a:t>
+            </a:r>
+            <a:r>
+              <a:rPr lang="en-US" dirty="0" err="1" smtClean="0"/>
+              <a:t>na</a:t>
+            </a:r>
+            <a:r>
+              <a:rPr lang="en-US" dirty="0" smtClean="0"/>
+              <a:t> 3 </a:t>
+            </a:r>
+            <a:r>
+              <a:rPr lang="en-US" dirty="0" err="1" smtClean="0"/>
+              <a:t>uz</a:t>
+            </a:r>
+            <a:r>
+              <a:rPr lang="en-US" dirty="0" smtClean="0"/>
+              <a:t> </a:t>
+            </a:r>
+            <a:r>
+              <a:rPr lang="en-US" dirty="0" err="1" smtClean="0"/>
+              <a:t>vrijednost</a:t>
+            </a:r>
+            <a:r>
+              <a:rPr lang="en-US" dirty="0" smtClean="0"/>
+              <a:t> </a:t>
+            </a:r>
+            <a:r>
+              <a:rPr lang="en-US" dirty="0" err="1" smtClean="0"/>
+              <a:t>maksimalne</a:t>
+            </a:r>
+            <a:r>
+              <a:rPr lang="en-US" dirty="0" smtClean="0"/>
+              <a:t> </a:t>
+            </a:r>
+            <a:r>
+              <a:rPr lang="en-US" dirty="0" err="1" smtClean="0"/>
+              <a:t>iteracije</a:t>
+            </a:r>
+            <a:r>
+              <a:rPr lang="en-US" dirty="0" smtClean="0"/>
+              <a:t> 10.</a:t>
+            </a:r>
             <a:endParaRPr lang="en-US" dirty="0"/>
           </a:p>
         </p:txBody>
@@ -4139,6 +4170,635 @@
 </file>
 
 <file path=ppt/slides/slide13.xml><?xml version="1.0" encoding="utf-8"?>
+<p:sld xmlns:a="http://schemas.openxmlformats.org/drawingml/2006/main" xmlns:r="http://schemas.openxmlformats.org/officeDocument/2006/relationships" xmlns:p="http://schemas.openxmlformats.org/presentationml/2006/main">
+  <p:cSld>
+    <p:spTree>
+      <p:nvGrpSpPr>
+        <p:cNvPr id="1" name=""/>
+        <p:cNvGrpSpPr/>
+        <p:nvPr/>
+      </p:nvGrpSpPr>
+      <p:grpSpPr>
+        <a:xfrm>
+          <a:off x="0" y="0"/>
+          <a:ext cx="0" cy="0"/>
+          <a:chOff x="0" y="0"/>
+          <a:chExt cx="0" cy="0"/>
+        </a:xfrm>
+      </p:grpSpPr>
+      <p:sp>
+        <p:nvSpPr>
+          <p:cNvPr id="2" name="Title 1"/>
+          <p:cNvSpPr>
+            <a:spLocks noGrp="1"/>
+          </p:cNvSpPr>
+          <p:nvPr>
+            <p:ph type="title"/>
+          </p:nvPr>
+        </p:nvSpPr>
+        <p:spPr/>
+        <p:txBody>
+          <a:bodyPr/>
+          <a:lstStyle/>
+          <a:p>
+            <a:r>
+              <a:rPr lang="en-US" b="1" i="1" dirty="0" err="1" smtClean="0"/>
+              <a:t>Primjer</a:t>
+            </a:r>
+            <a:r>
+              <a:rPr lang="en-US" b="1" i="1" dirty="0" smtClean="0"/>
+              <a:t> K-means </a:t>
+            </a:r>
+            <a:r>
+              <a:rPr lang="en-US" b="1" i="1" dirty="0" err="1" smtClean="0"/>
+              <a:t>algoritma</a:t>
+            </a:r>
+            <a:endParaRPr lang="en-US" dirty="0"/>
+          </a:p>
+        </p:txBody>
+      </p:sp>
+      <p:sp>
+        <p:nvSpPr>
+          <p:cNvPr id="4" name="Content Placeholder 3"/>
+          <p:cNvSpPr>
+            <a:spLocks noGrp="1"/>
+          </p:cNvSpPr>
+          <p:nvPr>
+            <p:ph sz="half" idx="2"/>
+          </p:nvPr>
+        </p:nvSpPr>
+        <p:spPr>
+          <a:xfrm>
+            <a:off x="838200" y="1600201"/>
+            <a:ext cx="7848600" cy="1905000"/>
+          </a:xfrm>
+        </p:spPr>
+        <p:txBody>
+          <a:bodyPr/>
+          <a:lstStyle/>
+          <a:p>
+            <a:r>
+              <a:rPr lang="en-US" dirty="0" err="1" smtClean="0"/>
+              <a:t>Drugi</a:t>
+            </a:r>
+            <a:r>
+              <a:rPr lang="en-US" dirty="0" smtClean="0"/>
+              <a:t> </a:t>
+            </a:r>
+            <a:r>
+              <a:rPr lang="en-US" dirty="0" err="1" smtClean="0"/>
+              <a:t>dio</a:t>
+            </a:r>
+            <a:r>
+              <a:rPr lang="en-US" dirty="0" smtClean="0"/>
+              <a:t> </a:t>
+            </a:r>
+            <a:r>
+              <a:rPr lang="en-US" dirty="0" err="1" smtClean="0"/>
+              <a:t>koda</a:t>
+            </a:r>
+            <a:r>
+              <a:rPr lang="en-US" dirty="0" smtClean="0"/>
+              <a:t> je </a:t>
+            </a:r>
+            <a:r>
+              <a:rPr lang="en-US" dirty="0" err="1" smtClean="0"/>
+              <a:t>postavljanje</a:t>
+            </a:r>
+            <a:r>
+              <a:rPr lang="en-US" dirty="0" smtClean="0"/>
+              <a:t> </a:t>
+            </a:r>
+            <a:r>
+              <a:rPr lang="en-US" dirty="0" err="1" smtClean="0"/>
+              <a:t>centroida</a:t>
+            </a:r>
+            <a:r>
+              <a:rPr lang="en-US" dirty="0" smtClean="0"/>
+              <a:t> </a:t>
+            </a:r>
+            <a:r>
+              <a:rPr lang="en-US" dirty="0" err="1" smtClean="0"/>
+              <a:t>te</a:t>
+            </a:r>
+            <a:r>
+              <a:rPr lang="en-US" dirty="0" smtClean="0"/>
+              <a:t> </a:t>
+            </a:r>
+            <a:r>
+              <a:rPr lang="en-US" dirty="0" err="1" smtClean="0"/>
+              <a:t>postavljanje</a:t>
+            </a:r>
+            <a:r>
+              <a:rPr lang="en-US" dirty="0" smtClean="0"/>
+              <a:t> </a:t>
+            </a:r>
+            <a:r>
+              <a:rPr lang="en-US" dirty="0" err="1" smtClean="0"/>
+              <a:t>određene</a:t>
+            </a:r>
+            <a:r>
+              <a:rPr lang="en-US" dirty="0" smtClean="0"/>
+              <a:t> </a:t>
+            </a:r>
+            <a:r>
+              <a:rPr lang="en-US" dirty="0" err="1" smtClean="0"/>
+              <a:t>boje</a:t>
+            </a:r>
+            <a:r>
+              <a:rPr lang="en-US" dirty="0" smtClean="0"/>
+              <a:t> </a:t>
+            </a:r>
+            <a:r>
+              <a:rPr lang="en-US" dirty="0" err="1" smtClean="0"/>
+              <a:t>kako</a:t>
+            </a:r>
+            <a:r>
+              <a:rPr lang="en-US" dirty="0" smtClean="0"/>
+              <a:t> bi </a:t>
+            </a:r>
+            <a:r>
+              <a:rPr lang="en-US" dirty="0" err="1" smtClean="0"/>
+              <a:t>raspoznali</a:t>
+            </a:r>
+            <a:r>
+              <a:rPr lang="en-US" dirty="0" smtClean="0"/>
+              <a:t> </a:t>
+            </a:r>
+            <a:r>
+              <a:rPr lang="en-US" dirty="0" err="1" smtClean="0"/>
+              <a:t>uzorke</a:t>
+            </a:r>
+            <a:r>
+              <a:rPr lang="en-US" dirty="0" smtClean="0"/>
+              <a:t>, </a:t>
+            </a:r>
+            <a:r>
+              <a:rPr lang="en-US" dirty="0" err="1" smtClean="0"/>
+              <a:t>odnosno</a:t>
+            </a:r>
+            <a:r>
+              <a:rPr lang="en-US" dirty="0" smtClean="0"/>
+              <a:t> </a:t>
+            </a:r>
+            <a:r>
+              <a:rPr lang="en-US" dirty="0" err="1" smtClean="0"/>
+              <a:t>klastere</a:t>
+            </a:r>
+            <a:r>
+              <a:rPr lang="en-US" dirty="0" smtClean="0"/>
+              <a:t>.</a:t>
+            </a:r>
+            <a:endParaRPr lang="en-US" dirty="0"/>
+          </a:p>
+        </p:txBody>
+      </p:sp>
+      <p:pic>
+        <p:nvPicPr>
+          <p:cNvPr id="2050" name="Picture 2"/>
+          <p:cNvPicPr>
+            <a:picLocks noGrp="1" noChangeAspect="1" noChangeArrowheads="1"/>
+          </p:cNvPicPr>
+          <p:nvPr>
+            <p:ph sz="half" idx="1"/>
+          </p:nvPr>
+        </p:nvPicPr>
+        <p:blipFill>
+          <a:blip r:embed="rId2"/>
+          <a:srcRect/>
+          <a:stretch>
+            <a:fillRect/>
+          </a:stretch>
+        </p:blipFill>
+        <p:spPr bwMode="auto">
+          <a:xfrm>
+            <a:off x="685800" y="3429000"/>
+            <a:ext cx="8077200" cy="2724548"/>
+          </a:xfrm>
+          <a:prstGeom prst="rect">
+            <a:avLst/>
+          </a:prstGeom>
+          <a:ln>
+            <a:noFill/>
+          </a:ln>
+          <a:effectLst>
+            <a:innerShdw blurRad="114300">
+              <a:prstClr val="black"/>
+            </a:innerShdw>
+          </a:effectLst>
+        </p:spPr>
+      </p:pic>
+    </p:spTree>
+  </p:cSld>
+  <p:clrMapOvr>
+    <a:masterClrMapping/>
+  </p:clrMapOvr>
+  <p:timing>
+    <p:tnLst>
+      <p:par>
+        <p:cTn id="1" dur="indefinite" restart="never" nodeType="tmRoot"/>
+      </p:par>
+    </p:tnLst>
+  </p:timing>
+</p:sld>
+</file>
+
+<file path=ppt/slides/slide14.xml><?xml version="1.0" encoding="utf-8"?>
+<p:sld xmlns:a="http://schemas.openxmlformats.org/drawingml/2006/main" xmlns:r="http://schemas.openxmlformats.org/officeDocument/2006/relationships" xmlns:p="http://schemas.openxmlformats.org/presentationml/2006/main">
+  <p:cSld>
+    <p:spTree>
+      <p:nvGrpSpPr>
+        <p:cNvPr id="1" name=""/>
+        <p:cNvGrpSpPr/>
+        <p:nvPr/>
+      </p:nvGrpSpPr>
+      <p:grpSpPr>
+        <a:xfrm>
+          <a:off x="0" y="0"/>
+          <a:ext cx="0" cy="0"/>
+          <a:chOff x="0" y="0"/>
+          <a:chExt cx="0" cy="0"/>
+        </a:xfrm>
+      </p:grpSpPr>
+      <p:sp>
+        <p:nvSpPr>
+          <p:cNvPr id="2" name="Title 1"/>
+          <p:cNvSpPr>
+            <a:spLocks noGrp="1"/>
+          </p:cNvSpPr>
+          <p:nvPr>
+            <p:ph type="title"/>
+          </p:nvPr>
+        </p:nvSpPr>
+        <p:spPr/>
+        <p:txBody>
+          <a:bodyPr/>
+          <a:lstStyle/>
+          <a:p>
+            <a:r>
+              <a:rPr lang="en-US" b="1" i="1" dirty="0" err="1" smtClean="0"/>
+              <a:t>Primjer</a:t>
+            </a:r>
+            <a:r>
+              <a:rPr lang="en-US" b="1" i="1" dirty="0" smtClean="0"/>
+              <a:t> K-means </a:t>
+            </a:r>
+            <a:r>
+              <a:rPr lang="en-US" b="1" i="1" dirty="0" err="1" smtClean="0"/>
+              <a:t>algoritma</a:t>
+            </a:r>
+            <a:endParaRPr lang="en-US" dirty="0"/>
+          </a:p>
+        </p:txBody>
+      </p:sp>
+      <p:sp>
+        <p:nvSpPr>
+          <p:cNvPr id="3" name="Content Placeholder 2"/>
+          <p:cNvSpPr>
+            <a:spLocks noGrp="1"/>
+          </p:cNvSpPr>
+          <p:nvPr>
+            <p:ph sz="half" idx="1"/>
+          </p:nvPr>
+        </p:nvSpPr>
+        <p:spPr>
+          <a:xfrm>
+            <a:off x="457200" y="1600200"/>
+            <a:ext cx="8305800" cy="4525963"/>
+          </a:xfrm>
+        </p:spPr>
+        <p:txBody>
+          <a:bodyPr>
+            <a:normAutofit/>
+          </a:bodyPr>
+          <a:lstStyle/>
+          <a:p>
+            <a:endParaRPr lang="en-US" dirty="0" smtClean="0"/>
+          </a:p>
+          <a:p>
+            <a:endParaRPr lang="en-US" dirty="0" smtClean="0"/>
+          </a:p>
+          <a:p>
+            <a:endParaRPr lang="en-US" dirty="0" smtClean="0"/>
+          </a:p>
+          <a:p>
+            <a:endParaRPr lang="en-US" dirty="0" smtClean="0"/>
+          </a:p>
+          <a:p>
+            <a:endParaRPr lang="en-US" dirty="0" smtClean="0"/>
+          </a:p>
+          <a:p>
+            <a:endParaRPr lang="en-US" dirty="0" smtClean="0"/>
+          </a:p>
+          <a:p>
+            <a:pPr>
+              <a:buNone/>
+            </a:pPr>
+            <a:r>
+              <a:rPr lang="en-US" dirty="0" smtClean="0"/>
+              <a:t>         </a:t>
+            </a:r>
+          </a:p>
+          <a:p>
+            <a:pPr>
+              <a:buNone/>
+            </a:pPr>
+            <a:r>
+              <a:rPr lang="en-US" dirty="0" smtClean="0"/>
+              <a:t> </a:t>
+            </a:r>
+            <a:r>
+              <a:rPr lang="en-US" dirty="0" smtClean="0"/>
+              <a:t>           </a:t>
+            </a:r>
+            <a:r>
+              <a:rPr lang="en-US" dirty="0" err="1" smtClean="0"/>
+              <a:t>Slika</a:t>
+            </a:r>
+            <a:r>
+              <a:rPr lang="en-US" dirty="0" smtClean="0"/>
+              <a:t> </a:t>
+            </a:r>
+            <a:r>
+              <a:rPr lang="en-US" dirty="0" err="1" smtClean="0"/>
+              <a:t>prikazuje</a:t>
+            </a:r>
+            <a:r>
+              <a:rPr lang="en-US" dirty="0" smtClean="0"/>
+              <a:t> tri </a:t>
+            </a:r>
+            <a:r>
+              <a:rPr lang="en-US" dirty="0" err="1" smtClean="0"/>
+              <a:t>klastera</a:t>
+            </a:r>
+            <a:r>
+              <a:rPr lang="en-US" dirty="0" smtClean="0"/>
+              <a:t> </a:t>
+            </a:r>
+            <a:r>
+              <a:rPr lang="en-US" dirty="0" err="1" smtClean="0"/>
+              <a:t>koji</a:t>
+            </a:r>
+            <a:r>
+              <a:rPr lang="en-US" dirty="0" smtClean="0"/>
+              <a:t> </a:t>
+            </a:r>
+            <a:r>
+              <a:rPr lang="en-US" dirty="0" err="1" smtClean="0"/>
+              <a:t>su</a:t>
+            </a:r>
+            <a:r>
+              <a:rPr lang="en-US" dirty="0" smtClean="0"/>
+              <a:t> </a:t>
+            </a:r>
+            <a:r>
+              <a:rPr lang="en-US" dirty="0" err="1" smtClean="0"/>
+              <a:t>razdvojeni</a:t>
+            </a:r>
+            <a:endParaRPr lang="en-US" dirty="0"/>
+          </a:p>
+        </p:txBody>
+      </p:sp>
+      <p:pic>
+        <p:nvPicPr>
+          <p:cNvPr id="3074" name="Picture 2"/>
+          <p:cNvPicPr>
+            <a:picLocks noGrp="1" noChangeAspect="1" noChangeArrowheads="1"/>
+          </p:cNvPicPr>
+          <p:nvPr>
+            <p:ph sz="half" idx="2"/>
+          </p:nvPr>
+        </p:nvPicPr>
+        <p:blipFill>
+          <a:blip r:embed="rId2"/>
+          <a:srcRect/>
+          <a:stretch>
+            <a:fillRect/>
+          </a:stretch>
+        </p:blipFill>
+        <p:spPr bwMode="auto">
+          <a:xfrm>
+            <a:off x="1371600" y="1600200"/>
+            <a:ext cx="6340314" cy="3581400"/>
+          </a:xfrm>
+          <a:prstGeom prst="rect">
+            <a:avLst/>
+          </a:prstGeom>
+          <a:ln>
+            <a:noFill/>
+          </a:ln>
+          <a:effectLst>
+            <a:softEdge rad="112500"/>
+          </a:effectLst>
+        </p:spPr>
+      </p:pic>
+    </p:spTree>
+  </p:cSld>
+  <p:clrMapOvr>
+    <a:masterClrMapping/>
+  </p:clrMapOvr>
+  <p:timing>
+    <p:tnLst>
+      <p:par>
+        <p:cTn id="1" dur="indefinite" restart="never" nodeType="tmRoot"/>
+      </p:par>
+    </p:tnLst>
+  </p:timing>
+</p:sld>
+</file>
+
+<file path=ppt/slides/slide15.xml><?xml version="1.0" encoding="utf-8"?>
+<p:sld xmlns:a="http://schemas.openxmlformats.org/drawingml/2006/main" xmlns:r="http://schemas.openxmlformats.org/officeDocument/2006/relationships" xmlns:p="http://schemas.openxmlformats.org/presentationml/2006/main">
+  <p:cSld>
+    <p:spTree>
+      <p:nvGrpSpPr>
+        <p:cNvPr id="1" name=""/>
+        <p:cNvGrpSpPr/>
+        <p:nvPr/>
+      </p:nvGrpSpPr>
+      <p:grpSpPr>
+        <a:xfrm>
+          <a:off x="0" y="0"/>
+          <a:ext cx="0" cy="0"/>
+          <a:chOff x="0" y="0"/>
+          <a:chExt cx="0" cy="0"/>
+        </a:xfrm>
+      </p:grpSpPr>
+      <p:sp>
+        <p:nvSpPr>
+          <p:cNvPr id="2" name="Title 1"/>
+          <p:cNvSpPr>
+            <a:spLocks noGrp="1"/>
+          </p:cNvSpPr>
+          <p:nvPr>
+            <p:ph type="title"/>
+          </p:nvPr>
+        </p:nvSpPr>
+        <p:spPr/>
+        <p:txBody>
+          <a:bodyPr/>
+          <a:lstStyle/>
+          <a:p>
+            <a:r>
+              <a:rPr lang="en-US" b="1" i="1" dirty="0" err="1" smtClean="0"/>
+              <a:t>Primjer</a:t>
+            </a:r>
+            <a:r>
+              <a:rPr lang="en-US" b="1" i="1" dirty="0" smtClean="0"/>
+              <a:t> K-means </a:t>
+            </a:r>
+            <a:r>
+              <a:rPr lang="en-US" b="1" i="1" dirty="0" err="1" smtClean="0"/>
+              <a:t>algoritma</a:t>
+            </a:r>
+            <a:endParaRPr lang="en-US" dirty="0"/>
+          </a:p>
+        </p:txBody>
+      </p:sp>
+      <p:sp>
+        <p:nvSpPr>
+          <p:cNvPr id="3" name="Content Placeholder 2"/>
+          <p:cNvSpPr>
+            <a:spLocks noGrp="1"/>
+          </p:cNvSpPr>
+          <p:nvPr>
+            <p:ph sz="half" idx="1"/>
+          </p:nvPr>
+        </p:nvSpPr>
+        <p:spPr>
+          <a:xfrm>
+            <a:off x="457200" y="4876800"/>
+            <a:ext cx="8153400" cy="1249363"/>
+          </a:xfrm>
+        </p:spPr>
+        <p:txBody>
+          <a:bodyPr/>
+          <a:lstStyle/>
+          <a:p>
+            <a:pPr algn="ctr">
+              <a:buNone/>
+            </a:pPr>
+            <a:r>
+              <a:rPr lang="en-US" dirty="0" smtClean="0"/>
+              <a:t>       </a:t>
+            </a:r>
+            <a:r>
+              <a:rPr lang="en-US" dirty="0" err="1" smtClean="0"/>
+              <a:t>Slika</a:t>
+            </a:r>
+            <a:r>
+              <a:rPr lang="en-US" dirty="0" smtClean="0"/>
+              <a:t> </a:t>
+            </a:r>
+            <a:r>
+              <a:rPr lang="en-US" dirty="0" err="1" smtClean="0"/>
+              <a:t>prikazuje</a:t>
+            </a:r>
+            <a:r>
+              <a:rPr lang="en-US" dirty="0" smtClean="0"/>
+              <a:t> tri </a:t>
+            </a:r>
+            <a:r>
+              <a:rPr lang="en-US" dirty="0" err="1" smtClean="0"/>
+              <a:t>klastera</a:t>
+            </a:r>
+            <a:r>
+              <a:rPr lang="en-US" dirty="0" smtClean="0"/>
+              <a:t> </a:t>
+            </a:r>
+            <a:r>
+              <a:rPr lang="en-US" dirty="0" err="1" smtClean="0"/>
+              <a:t>koji</a:t>
+            </a:r>
+            <a:r>
+              <a:rPr lang="en-US" dirty="0" smtClean="0"/>
+              <a:t> </a:t>
+            </a:r>
+            <a:r>
+              <a:rPr lang="en-US" dirty="0" err="1" smtClean="0"/>
+              <a:t>su</a:t>
+            </a:r>
+            <a:r>
+              <a:rPr lang="en-US" dirty="0" smtClean="0"/>
+              <a:t> </a:t>
+            </a:r>
+            <a:r>
+              <a:rPr lang="en-US" dirty="0" err="1" smtClean="0"/>
+              <a:t>spojeni</a:t>
+            </a:r>
+            <a:r>
+              <a:rPr lang="en-US" dirty="0" smtClean="0"/>
+              <a:t> u </a:t>
+            </a:r>
+            <a:r>
+              <a:rPr lang="en-US" dirty="0" err="1" smtClean="0"/>
+              <a:t>jednu</a:t>
+            </a:r>
+            <a:r>
+              <a:rPr lang="en-US" dirty="0" smtClean="0"/>
+              <a:t>            </a:t>
+            </a:r>
+            <a:r>
+              <a:rPr lang="en-US" dirty="0" err="1" smtClean="0"/>
+              <a:t>veliku</a:t>
+            </a:r>
+            <a:r>
+              <a:rPr lang="en-US" dirty="0" smtClean="0"/>
+              <a:t> </a:t>
+            </a:r>
+            <a:r>
+              <a:rPr lang="en-US" dirty="0" err="1" smtClean="0"/>
+              <a:t>skupinu</a:t>
+            </a:r>
+            <a:endParaRPr lang="en-US" dirty="0"/>
+          </a:p>
+        </p:txBody>
+      </p:sp>
+      <p:pic>
+        <p:nvPicPr>
+          <p:cNvPr id="5" name="Picture 4"/>
+          <p:cNvPicPr/>
+          <p:nvPr/>
+        </p:nvPicPr>
+        <p:blipFill>
+          <a:blip r:embed="rId2"/>
+          <a:srcRect/>
+          <a:stretch>
+            <a:fillRect/>
+          </a:stretch>
+        </p:blipFill>
+        <p:spPr bwMode="auto">
+          <a:xfrm>
+            <a:off x="1676400" y="1447800"/>
+            <a:ext cx="6096000" cy="3352800"/>
+          </a:xfrm>
+          <a:prstGeom prst="rect">
+            <a:avLst/>
+          </a:prstGeom>
+          <a:ln>
+            <a:noFill/>
+          </a:ln>
+          <a:effectLst>
+            <a:softEdge rad="112500"/>
+          </a:effectLst>
+        </p:spPr>
+      </p:pic>
+    </p:spTree>
+  </p:cSld>
+  <p:clrMapOvr>
+    <a:masterClrMapping/>
+  </p:clrMapOvr>
+  <p:timing>
+    <p:tnLst>
+      <p:par>
+        <p:cTn id="1" dur="indefinite" restart="never" nodeType="tmRoot"/>
+      </p:par>
+    </p:tnLst>
+  </p:timing>
+</p:sld>
+</file>
+
+<file path=ppt/slides/slide16.xml><?xml version="1.0" encoding="utf-8"?>
 <p:sld xmlns:a="http://schemas.openxmlformats.org/drawingml/2006/main" xmlns:r="http://schemas.openxmlformats.org/officeDocument/2006/relationships" xmlns:p="http://schemas.openxmlformats.org/presentationml/2006/main">
   <p:cSld>
     <p:spTree>
@@ -4358,15 +5018,7 @@
           <a:p>
             <a:r>
               <a:rPr lang="hr-HR" sz="4000" b="1" i="1" dirty="0" smtClean="0"/>
-              <a:t>Metode </a:t>
-            </a:r>
-            <a:r>
-              <a:rPr lang="hr-HR" sz="4000" b="1" i="1" dirty="0" smtClean="0"/>
-              <a:t>grupiranja </a:t>
-            </a:r>
-            <a:r>
-              <a:rPr lang="hr-HR" sz="4000" b="1" i="1" dirty="0" smtClean="0"/>
-              <a:t>podataka</a:t>
+              <a:t>Metode grupiranja podataka</a:t>
             </a:r>
             <a:endParaRPr lang="en-US" sz="4000" b="1" i="1" dirty="0" smtClean="0"/>
           </a:p>
@@ -4390,7 +5042,6 @@
               <a:rPr lang="en-US" sz="4000" dirty="0" smtClean="0"/>
               <a:t>	</a:t>
             </a:r>
-            <a:endParaRPr lang="en-US" sz="4000" dirty="0" smtClean="0"/>
           </a:p>
           <a:p>
             <a:endParaRPr lang="en-US" sz="2200" dirty="0" smtClean="0"/>
@@ -4537,28 +5188,19 @@
             </a:r>
             <a:r>
               <a:rPr lang="hr-HR" dirty="0" smtClean="0"/>
-              <a:t>je zadatak kojim je potrebno grupirati podatke na način da su objekti istoj grupi (klasteri) više slični međusobno nego s onima iz druge skupine</a:t>
-            </a:r>
+              <a:t>je zadatak kojim je potrebno grupirati podatke na način da su objekti istoj grupi (klasteri) više slični međusobno nego s onima iz druge skupine.</a:t>
+            </a:r>
+            <a:endParaRPr lang="en-US" dirty="0" smtClean="0"/>
+          </a:p>
+          <a:p>
             <a:r>
               <a:rPr lang="hr-HR" dirty="0" smtClean="0"/>
-              <a:t>.</a:t>
-            </a:r>
-            <a:endParaRPr lang="en-US" dirty="0" smtClean="0"/>
-          </a:p>
-          <a:p>
-            <a:r>
-              <a:rPr lang="hr-HR" dirty="0" smtClean="0"/>
-              <a:t>Tehnika se koristi u mnogim područjima poput strojnog učenja, raspoznavanja uzoraka, analize slike, pronalaženja </a:t>
-            </a:r>
-            <a:r>
-              <a:rPr lang="hr-HR" dirty="0" smtClean="0"/>
-              <a:t>informacija</a:t>
+              <a:t>Tehnika se koristi u mnogim područjima poput strojnog učenja, raspoznavanja uzoraka, analize slike, pronalaženja informacija</a:t>
             </a:r>
             <a:r>
               <a:rPr lang="en-US" dirty="0" smtClean="0"/>
               <a:t>,…</a:t>
             </a:r>
-            <a:endParaRPr lang="en-US" dirty="0" smtClean="0"/>
           </a:p>
         </p:txBody>
       </p:sp>
@@ -4643,17 +5285,12 @@
               <a:rPr lang="en-US" dirty="0" smtClean="0"/>
               <a:t>s</a:t>
             </a:r>
-            <a:endParaRPr lang="en-US" dirty="0" smtClean="0"/>
           </a:p>
           <a:p>
             <a:pPr lvl="0"/>
             <a:r>
               <a:rPr lang="hr-HR" dirty="0" smtClean="0"/>
-              <a:t>Affinity </a:t>
-            </a:r>
-            <a:r>
-              <a:rPr lang="hr-HR" dirty="0" smtClean="0"/>
-              <a:t>propagation</a:t>
+              <a:t>Affinity propagation</a:t>
             </a:r>
             <a:endParaRPr lang="en-US" dirty="0" smtClean="0"/>
           </a:p>
@@ -4669,11 +5306,7 @@
             <a:pPr lvl="0"/>
             <a:r>
               <a:rPr lang="hr-HR" dirty="0" smtClean="0"/>
-              <a:t>Spectral </a:t>
-            </a:r>
-            <a:r>
-              <a:rPr lang="hr-HR" dirty="0" smtClean="0"/>
-              <a:t>clustering</a:t>
+              <a:t>Spectral clustering</a:t>
             </a:r>
             <a:endParaRPr lang="en-US" dirty="0" smtClean="0"/>
           </a:p>
@@ -4930,15 +5563,7 @@
           <a:p>
             <a:r>
               <a:rPr lang="hr-HR" dirty="0" smtClean="0"/>
-              <a:t>Podaci pomoću algoritma K srednjih </a:t>
-            </a:r>
-            <a:r>
-              <a:rPr lang="hr-HR" dirty="0" smtClean="0"/>
-              <a:t>vrijednosti </a:t>
-            </a:r>
-            <a:r>
-              <a:rPr lang="hr-HR" dirty="0" smtClean="0"/>
-              <a:t>pokušavaju razdvojiti uzorke u </a:t>
+              <a:t>Podaci pomoću algoritma K srednjih vrijednosti pokušavaju razdvojiti uzorke u </a:t>
             </a:r>
             <a:r>
               <a:rPr lang="hr-HR" i="1" dirty="0" smtClean="0"/>
@@ -4953,11 +5578,7 @@
           <a:p>
             <a:r>
               <a:rPr lang="hr-HR" dirty="0" smtClean="0"/>
-              <a:t>Ovaj algoritam zahtjeva da se zada određeni broj </a:t>
-            </a:r>
-            <a:r>
-              <a:rPr lang="hr-HR" dirty="0" smtClean="0"/>
-              <a:t>klastera</a:t>
+              <a:t>Ovaj algoritam zahtjeva da se zada određeni broj klastera</a:t>
             </a:r>
             <a:r>
               <a:rPr lang="en-US" dirty="0" smtClean="0"/>
@@ -5083,15 +5704,7 @@
             </a:r>
             <a:r>
               <a:rPr lang="hr-HR" dirty="0" smtClean="0"/>
-              <a:t>od </a:t>
-            </a:r>
-            <a:r>
-              <a:rPr lang="hr-HR" dirty="0" smtClean="0"/>
-              <a:t>tri </a:t>
-            </a:r>
-            <a:r>
-              <a:rPr lang="hr-HR" dirty="0" smtClean="0"/>
-              <a:t>koraka</a:t>
+              <a:t>od tri koraka</a:t>
             </a:r>
             <a:r>
               <a:rPr lang="en-US" dirty="0" smtClean="0"/>
@@ -5133,11 +5746,7 @@
             </a:r>
             <a:r>
               <a:rPr lang="hr-HR" dirty="0" smtClean="0"/>
-              <a:t> </a:t>
-            </a:r>
-            <a:r>
-              <a:rPr lang="hr-HR" dirty="0" smtClean="0"/>
-              <a:t>svaki uzorak najbližem centru. </a:t>
+              <a:t> svaki uzorak najbližem centru. </a:t>
             </a:r>
             <a:endParaRPr lang="en-US" dirty="0" smtClean="0"/>
           </a:p>
@@ -5148,11 +5757,7 @@
             </a:pPr>
             <a:r>
               <a:rPr lang="hr-HR" dirty="0" smtClean="0"/>
-              <a:t>Drugi </a:t>
-            </a:r>
-            <a:r>
-              <a:rPr lang="hr-HR" dirty="0" smtClean="0"/>
-              <a:t>korak </a:t>
+              <a:t>Drugi korak </a:t>
             </a:r>
             <a:r>
               <a:rPr lang="en-US" dirty="0" smtClean="0"/>
@@ -5168,15 +5773,7 @@
             </a:r>
             <a:r>
               <a:rPr lang="hr-HR" dirty="0" smtClean="0"/>
-              <a:t> </a:t>
-            </a:r>
-            <a:r>
-              <a:rPr lang="hr-HR" dirty="0" smtClean="0"/>
-              <a:t>nove centroide uzimanjem srednjih vrijednosti svih uzoraka dodijeljenih svakom prethodnom težištu</a:t>
-            </a:r>
-            <a:r>
-              <a:rPr lang="hr-HR" dirty="0" smtClean="0"/>
-              <a:t>.</a:t>
+              <a:t> nove centroide uzimanjem srednjih vrijednosti svih uzoraka dodijeljenih svakom prethodnom težištu.</a:t>
             </a:r>
             <a:endParaRPr lang="en-US" dirty="0" smtClean="0"/>
           </a:p>
@@ -5203,11 +5800,7 @@
             </a:r>
             <a:r>
               <a:rPr lang="hr-HR" dirty="0" smtClean="0"/>
-              <a:t>lgoritam </a:t>
-            </a:r>
-            <a:r>
-              <a:rPr lang="hr-HR" dirty="0" smtClean="0"/>
-              <a:t>se zaustavlja kada je relativno smanjenje funkcije cilja između ponavljanja manja od zadane tolerancije vrijednosti.</a:t>
+              <a:t>lgoritam se zaustavlja kada je relativno smanjenje funkcije cilja između ponavljanja manja od zadane tolerancije vrijednosti.</a:t>
             </a:r>
             <a:endParaRPr lang="en-US" dirty="0" smtClean="0"/>
           </a:p>
@@ -5294,15 +5887,11 @@
           <a:p>
             <a:r>
               <a:rPr lang="en-US" dirty="0" smtClean="0"/>
-              <a:t>O</a:t>
-            </a:r>
-            <a:r>
-              <a:rPr lang="hr-HR" dirty="0" smtClean="0"/>
-              <a:t>dređivanj</a:t>
-            </a:r>
-            <a:r>
-              <a:rPr lang="en-US" dirty="0" smtClean="0"/>
-              <a:t>e</a:t>
+              <a:t>Blok </a:t>
+            </a:r>
+            <a:r>
+              <a:rPr lang="en-US" dirty="0" err="1" smtClean="0"/>
+              <a:t>dijagram</a:t>
             </a:r>
             <a:r>
               <a:rPr lang="hr-HR" dirty="0" smtClean="0"/>
@@ -5310,7 +5899,15 @@
             </a:r>
             <a:r>
               <a:rPr lang="hr-HR" dirty="0" smtClean="0"/>
-              <a:t>centroida u K-means algoritmu </a:t>
+              <a:t>K-means </a:t>
+            </a:r>
+            <a:r>
+              <a:rPr lang="hr-HR" dirty="0" smtClean="0"/>
+              <a:t>algoritm</a:t>
+            </a:r>
+            <a:r>
+              <a:rPr lang="en-US" dirty="0" smtClean="0"/>
+              <a:t>a</a:t>
             </a:r>
             <a:endParaRPr lang="en-US" dirty="0" smtClean="0"/>
           </a:p>
@@ -5434,11 +6031,7 @@
             <a:pPr lvl="0"/>
             <a:r>
               <a:rPr lang="hr-HR" dirty="0" smtClean="0"/>
-              <a:t>Potrebno je unaprijed zadati broj klastera i njihove početne </a:t>
-            </a:r>
-            <a:r>
-              <a:rPr lang="hr-HR" dirty="0" smtClean="0"/>
-              <a:t>vrijednosti</a:t>
+              <a:t>Potrebno je unaprijed zadati broj klastera i njihove početne vrijednosti</a:t>
             </a:r>
             <a:endParaRPr lang="en-US" dirty="0" smtClean="0"/>
           </a:p>
@@ -5504,11 +6097,7 @@
             </a:r>
             <a:r>
               <a:rPr lang="en-US" dirty="0" smtClean="0"/>
-              <a:t> </a:t>
-            </a:r>
-            <a:r>
-              <a:rPr lang="en-US" dirty="0" smtClean="0"/>
-              <a:t>4 </a:t>
+              <a:t> 4 </a:t>
             </a:r>
             <a:r>
               <a:rPr lang="en-US" dirty="0" err="1" smtClean="0"/>
